--- a/instruction-images/pracInstructions.pptx
+++ b/instruction-images/pracInstructions.pptx
@@ -108,6 +108,11 @@
       </a:defRPr>
     </a:lvl9pPr>
   </p:defaultTextStyle>
+  <p:extLst>
+    <p:ext uri="{EFAFB233-063F-42B5-8137-9DF3F51BA10A}">
+      <p15:sldGuideLst xmlns:p15="http://schemas.microsoft.com/office/powerpoint/2012/main"/>
+    </p:ext>
+  </p:extLst>
 </p:presentation>
 </file>
 
@@ -260,7 +265,7 @@
           <a:p>
             <a:fld id="{4B8E9ED7-1151-274C-BA24-50983D909DEF}" type="datetimeFigureOut">
               <a:rPr lang="en-US" smtClean="0"/>
-              <a:t>2/21/25</a:t>
+              <a:t>3/12/25</a:t>
             </a:fld>
             <a:endParaRPr lang="en-US"/>
           </a:p>
@@ -460,7 +465,7 @@
           <a:p>
             <a:fld id="{4B8E9ED7-1151-274C-BA24-50983D909DEF}" type="datetimeFigureOut">
               <a:rPr lang="en-US" smtClean="0"/>
-              <a:t>2/21/25</a:t>
+              <a:t>3/12/25</a:t>
             </a:fld>
             <a:endParaRPr lang="en-US"/>
           </a:p>
@@ -670,7 +675,7 @@
           <a:p>
             <a:fld id="{4B8E9ED7-1151-274C-BA24-50983D909DEF}" type="datetimeFigureOut">
               <a:rPr lang="en-US" smtClean="0"/>
-              <a:t>2/21/25</a:t>
+              <a:t>3/12/25</a:t>
             </a:fld>
             <a:endParaRPr lang="en-US"/>
           </a:p>
@@ -870,7 +875,7 @@
           <a:p>
             <a:fld id="{4B8E9ED7-1151-274C-BA24-50983D909DEF}" type="datetimeFigureOut">
               <a:rPr lang="en-US" smtClean="0"/>
-              <a:t>2/21/25</a:t>
+              <a:t>3/12/25</a:t>
             </a:fld>
             <a:endParaRPr lang="en-US"/>
           </a:p>
@@ -1146,7 +1151,7 @@
           <a:p>
             <a:fld id="{4B8E9ED7-1151-274C-BA24-50983D909DEF}" type="datetimeFigureOut">
               <a:rPr lang="en-US" smtClean="0"/>
-              <a:t>2/21/25</a:t>
+              <a:t>3/12/25</a:t>
             </a:fld>
             <a:endParaRPr lang="en-US"/>
           </a:p>
@@ -1414,7 +1419,7 @@
           <a:p>
             <a:fld id="{4B8E9ED7-1151-274C-BA24-50983D909DEF}" type="datetimeFigureOut">
               <a:rPr lang="en-US" smtClean="0"/>
-              <a:t>2/21/25</a:t>
+              <a:t>3/12/25</a:t>
             </a:fld>
             <a:endParaRPr lang="en-US"/>
           </a:p>
@@ -1829,7 +1834,7 @@
           <a:p>
             <a:fld id="{4B8E9ED7-1151-274C-BA24-50983D909DEF}" type="datetimeFigureOut">
               <a:rPr lang="en-US" smtClean="0"/>
-              <a:t>2/21/25</a:t>
+              <a:t>3/12/25</a:t>
             </a:fld>
             <a:endParaRPr lang="en-US"/>
           </a:p>
@@ -1971,7 +1976,7 @@
           <a:p>
             <a:fld id="{4B8E9ED7-1151-274C-BA24-50983D909DEF}" type="datetimeFigureOut">
               <a:rPr lang="en-US" smtClean="0"/>
-              <a:t>2/21/25</a:t>
+              <a:t>3/12/25</a:t>
             </a:fld>
             <a:endParaRPr lang="en-US"/>
           </a:p>
@@ -2084,7 +2089,7 @@
           <a:p>
             <a:fld id="{4B8E9ED7-1151-274C-BA24-50983D909DEF}" type="datetimeFigureOut">
               <a:rPr lang="en-US" smtClean="0"/>
-              <a:t>2/21/25</a:t>
+              <a:t>3/12/25</a:t>
             </a:fld>
             <a:endParaRPr lang="en-US"/>
           </a:p>
@@ -2397,7 +2402,7 @@
           <a:p>
             <a:fld id="{4B8E9ED7-1151-274C-BA24-50983D909DEF}" type="datetimeFigureOut">
               <a:rPr lang="en-US" smtClean="0"/>
-              <a:t>2/21/25</a:t>
+              <a:t>3/12/25</a:t>
             </a:fld>
             <a:endParaRPr lang="en-US"/>
           </a:p>
@@ -2686,7 +2691,7 @@
           <a:p>
             <a:fld id="{4B8E9ED7-1151-274C-BA24-50983D909DEF}" type="datetimeFigureOut">
               <a:rPr lang="en-US" smtClean="0"/>
-              <a:t>2/21/25</a:t>
+              <a:t>3/12/25</a:t>
             </a:fld>
             <a:endParaRPr lang="en-US"/>
           </a:p>
@@ -2929,7 +2934,7 @@
           <a:p>
             <a:fld id="{4B8E9ED7-1151-274C-BA24-50983D909DEF}" type="datetimeFigureOut">
               <a:rPr lang="en-US" smtClean="0"/>
-              <a:t>2/21/25</a:t>
+              <a:t>3/12/25</a:t>
             </a:fld>
             <a:endParaRPr lang="en-US"/>
           </a:p>
@@ -3335,7 +3340,7 @@
     <p:bg>
       <p:bgPr>
         <a:solidFill>
-          <a:srgbClr val="808080"/>
+          <a:srgbClr val="808070"/>
         </a:solidFill>
         <a:effectLst/>
       </p:bgPr>
@@ -3680,7 +3685,7 @@
     <p:bg>
       <p:bgPr>
         <a:solidFill>
-          <a:srgbClr val="808080"/>
+          <a:srgbClr val="808070"/>
         </a:solidFill>
         <a:effectLst/>
       </p:bgPr>
@@ -3840,7 +3845,7 @@
     <p:bg>
       <p:bgPr>
         <a:solidFill>
-          <a:srgbClr val="808080"/>
+          <a:srgbClr val="808070"/>
         </a:solidFill>
         <a:effectLst/>
       </p:bgPr>
@@ -3883,7 +3888,7 @@
         </p:nvSpPr>
         <p:spPr>
           <a:xfrm>
-            <a:off x="838200" y="1131286"/>
+            <a:off x="189614" y="1195082"/>
             <a:ext cx="10515600" cy="3193579"/>
           </a:xfrm>
         </p:spPr>
@@ -3902,7 +3907,7 @@
                   <a:schemeClr val="bg1"/>
                 </a:solidFill>
               </a:rPr>
-              <a:t>Clicking here </a:t>
+              <a:t>Clicking here:</a:t>
             </a:r>
             <a:br>
               <a:rPr lang="en-US" dirty="0">
@@ -3918,30 +3923,11 @@
                 </a:solidFill>
               </a:rPr>
             </a:br>
-            <a:r>
-              <a:rPr lang="en-US" dirty="0">
-                <a:solidFill>
-                  <a:schemeClr val="bg1"/>
-                </a:solidFill>
-              </a:rPr>
-              <a:t>means you are </a:t>
-            </a:r>
-            <a:r>
-              <a:rPr lang="en-US" b="1" u="sng" dirty="0">
-                <a:solidFill>
-                  <a:schemeClr val="bg1"/>
-                </a:solidFill>
-              </a:rPr>
-              <a:t>guessing</a:t>
-            </a:r>
-            <a:r>
-              <a:rPr lang="en-US" dirty="0">
-                <a:solidFill>
-                  <a:schemeClr val="bg1"/>
-                </a:solidFill>
-              </a:rPr>
-              <a:t> there were mode dots on the Left.:</a:t>
-            </a:r>
+            <a:endParaRPr lang="en-US" dirty="0">
+              <a:solidFill>
+                <a:schemeClr val="bg1"/>
+              </a:solidFill>
+            </a:endParaRPr>
           </a:p>
         </p:txBody>
       </p:sp>
@@ -3966,7 +3952,7 @@
         </p:blipFill>
         <p:spPr>
           <a:xfrm>
-            <a:off x="2762250" y="2962019"/>
+            <a:off x="2762250" y="1930053"/>
             <a:ext cx="6667500" cy="2116608"/>
           </a:xfrm>
           <a:prstGeom prst="rect">
@@ -3974,6 +3960,107 @@
           </a:prstGeom>
         </p:spPr>
       </p:pic>
+      <p:sp>
+        <p:nvSpPr>
+          <p:cNvPr id="4" name="TextBox 3">
+            <a:extLst>
+              <a:ext uri="{FF2B5EF4-FFF2-40B4-BE49-F238E27FC236}">
+                <a16:creationId xmlns:a16="http://schemas.microsoft.com/office/drawing/2014/main" id="{EE666D56-CDB2-7507-3B08-B3B70285F5A1}"/>
+              </a:ext>
+            </a:extLst>
+          </p:cNvPr>
+          <p:cNvSpPr txBox="1"/>
+          <p:nvPr/>
+        </p:nvSpPr>
+        <p:spPr>
+          <a:xfrm>
+            <a:off x="2916283" y="4279301"/>
+            <a:ext cx="6093822" cy="954107"/>
+          </a:xfrm>
+          <a:prstGeom prst="rect">
+            <a:avLst/>
+          </a:prstGeom>
+          <a:noFill/>
+        </p:spPr>
+        <p:txBody>
+          <a:bodyPr wrap="square">
+            <a:spAutoFit/>
+          </a:bodyPr>
+          <a:lstStyle/>
+          <a:p>
+            <a:pPr marL="0" indent="0" algn="ctr">
+              <a:buNone/>
+            </a:pPr>
+            <a:r>
+              <a:rPr lang="en-US" sz="2800" dirty="0">
+                <a:solidFill>
+                  <a:schemeClr val="bg1"/>
+                </a:solidFill>
+              </a:rPr>
+              <a:t>means you are </a:t>
+            </a:r>
+            <a:r>
+              <a:rPr lang="en-US" sz="2800" u="sng" dirty="0">
+                <a:solidFill>
+                  <a:schemeClr val="bg1"/>
+                </a:solidFill>
+              </a:rPr>
+              <a:t>guessing</a:t>
+            </a:r>
+            <a:r>
+              <a:rPr lang="en-US" sz="2800" dirty="0">
+                <a:solidFill>
+                  <a:schemeClr val="bg1"/>
+                </a:solidFill>
+              </a:rPr>
+              <a:t> there were more dots on the Left.</a:t>
+            </a:r>
+          </a:p>
+        </p:txBody>
+      </p:sp>
+      <p:cxnSp>
+        <p:nvCxnSpPr>
+          <p:cNvPr id="7" name="Straight Arrow Connector 6">
+            <a:extLst>
+              <a:ext uri="{FF2B5EF4-FFF2-40B4-BE49-F238E27FC236}">
+                <a16:creationId xmlns:a16="http://schemas.microsoft.com/office/drawing/2014/main" id="{836365BF-F482-F761-B4CC-ED3D1ECD8D9B}"/>
+              </a:ext>
+            </a:extLst>
+          </p:cNvPr>
+          <p:cNvCxnSpPr/>
+          <p:nvPr/>
+        </p:nvCxnSpPr>
+        <p:spPr>
+          <a:xfrm flipV="1">
+            <a:off x="5336936" y="1839433"/>
+            <a:ext cx="0" cy="679269"/>
+          </a:xfrm>
+          <a:prstGeom prst="straightConnector1">
+            <a:avLst/>
+          </a:prstGeom>
+          <a:ln w="101600">
+            <a:solidFill>
+              <a:srgbClr val="FFFF00"/>
+            </a:solidFill>
+            <a:headEnd type="stealth"/>
+            <a:tailEnd type="none"/>
+          </a:ln>
+        </p:spPr>
+        <p:style>
+          <a:lnRef idx="1">
+            <a:schemeClr val="accent6"/>
+          </a:lnRef>
+          <a:fillRef idx="0">
+            <a:schemeClr val="accent6"/>
+          </a:fillRef>
+          <a:effectRef idx="0">
+            <a:schemeClr val="accent6"/>
+          </a:effectRef>
+          <a:fontRef idx="minor">
+            <a:schemeClr val="tx1"/>
+          </a:fontRef>
+        </p:style>
+      </p:cxnSp>
     </p:spTree>
     <p:extLst>
       <p:ext uri="{BB962C8B-B14F-4D97-AF65-F5344CB8AC3E}">
@@ -3993,7 +4080,7 @@
     <p:bg>
       <p:bgPr>
         <a:solidFill>
-          <a:srgbClr val="808080"/>
+          <a:srgbClr val="808070"/>
         </a:solidFill>
         <a:effectLst/>
       </p:bgPr>
@@ -4018,31 +4105,147 @@
           <a:chExt cx="0" cy="0"/>
         </a:xfrm>
       </p:grpSpPr>
-      <p:sp>
-        <p:nvSpPr>
-          <p:cNvPr id="3" name="Content Placeholder 2">
-            <a:extLst>
-              <a:ext uri="{FF2B5EF4-FFF2-40B4-BE49-F238E27FC236}">
-                <a16:creationId xmlns:a16="http://schemas.microsoft.com/office/drawing/2014/main" id="{8F2E15BC-3827-9118-49D7-33AC73893BBF}"/>
-              </a:ext>
-            </a:extLst>
-          </p:cNvPr>
-          <p:cNvSpPr>
-            <a:spLocks noGrp="1"/>
-          </p:cNvSpPr>
-          <p:nvPr>
-            <p:ph idx="1"/>
-          </p:nvPr>
-        </p:nvSpPr>
+      <p:pic>
+        <p:nvPicPr>
+          <p:cNvPr id="5" name="Picture 4" descr="A screenshot of a game&#10;&#10;AI-generated content may be incorrect.">
+            <a:extLst>
+              <a:ext uri="{FF2B5EF4-FFF2-40B4-BE49-F238E27FC236}">
+                <a16:creationId xmlns:a16="http://schemas.microsoft.com/office/drawing/2014/main" id="{9CA30E43-733E-C041-F86D-648E895EB7FB}"/>
+              </a:ext>
+            </a:extLst>
+          </p:cNvPr>
+          <p:cNvPicPr>
+            <a:picLocks noChangeAspect="1"/>
+          </p:cNvPicPr>
+          <p:nvPr/>
+        </p:nvPicPr>
+        <p:blipFill>
+          <a:blip r:embed="rId2"/>
+          <a:srcRect b="29679"/>
+          <a:stretch/>
+        </p:blipFill>
         <p:spPr>
           <a:xfrm>
-            <a:off x="838200" y="1131286"/>
-            <a:ext cx="10515600" cy="3193579"/>
+            <a:off x="2762250" y="1930053"/>
+            <a:ext cx="6667500" cy="2116608"/>
+          </a:xfrm>
+          <a:prstGeom prst="rect">
+            <a:avLst/>
+          </a:prstGeom>
+        </p:spPr>
+      </p:pic>
+      <p:pic>
+        <p:nvPicPr>
+          <p:cNvPr id="7" name="Picture 6" descr="A screenshot of a game&#10;&#10;AI-generated content may be incorrect.">
+            <a:extLst>
+              <a:ext uri="{FF2B5EF4-FFF2-40B4-BE49-F238E27FC236}">
+                <a16:creationId xmlns:a16="http://schemas.microsoft.com/office/drawing/2014/main" id="{B187D146-8DCC-F29D-FD1B-F7EAD58A2620}"/>
+              </a:ext>
+            </a:extLst>
+          </p:cNvPr>
+          <p:cNvPicPr>
+            <a:picLocks noChangeAspect="1"/>
+          </p:cNvPicPr>
+          <p:nvPr/>
+        </p:nvPicPr>
+        <p:blipFill>
+          <a:blip r:embed="rId3"/>
+          <a:srcRect b="27562"/>
+          <a:stretch/>
+        </p:blipFill>
+        <p:spPr>
+          <a:xfrm>
+            <a:off x="2749187" y="1792754"/>
+            <a:ext cx="6743700" cy="2253907"/>
+          </a:xfrm>
+          <a:prstGeom prst="rect">
+            <a:avLst/>
+          </a:prstGeom>
+        </p:spPr>
+      </p:pic>
+      <p:sp>
+        <p:nvSpPr>
+          <p:cNvPr id="4" name="TextBox 3">
+            <a:extLst>
+              <a:ext uri="{FF2B5EF4-FFF2-40B4-BE49-F238E27FC236}">
+                <a16:creationId xmlns:a16="http://schemas.microsoft.com/office/drawing/2014/main" id="{9F567A4C-1320-7813-2D0E-15FB6D59B9AE}"/>
+              </a:ext>
+            </a:extLst>
+          </p:cNvPr>
+          <p:cNvSpPr txBox="1"/>
+          <p:nvPr/>
+        </p:nvSpPr>
+        <p:spPr>
+          <a:xfrm>
+            <a:off x="3049089" y="4324865"/>
+            <a:ext cx="6093822" cy="954107"/>
+          </a:xfrm>
+          <a:prstGeom prst="rect">
+            <a:avLst/>
+          </a:prstGeom>
+          <a:noFill/>
+        </p:spPr>
+        <p:txBody>
+          <a:bodyPr wrap="square">
+            <a:spAutoFit/>
+          </a:bodyPr>
+          <a:lstStyle/>
+          <a:p>
+            <a:pPr marL="0" indent="0" algn="ctr">
+              <a:buNone/>
+            </a:pPr>
+            <a:r>
+              <a:rPr lang="en-US" sz="2800" dirty="0">
+                <a:solidFill>
+                  <a:schemeClr val="bg1"/>
+                </a:solidFill>
+              </a:rPr>
+              <a:t>means you are </a:t>
+            </a:r>
+            <a:r>
+              <a:rPr lang="en-US" sz="2800" u="sng" dirty="0">
+                <a:solidFill>
+                  <a:schemeClr val="bg1"/>
+                </a:solidFill>
+              </a:rPr>
+              <a:t>confident</a:t>
+            </a:r>
+            <a:r>
+              <a:rPr lang="en-US" sz="2800" dirty="0">
+                <a:solidFill>
+                  <a:schemeClr val="bg1"/>
+                </a:solidFill>
+              </a:rPr>
+              <a:t> there were more dots on the Left</a:t>
+            </a:r>
+          </a:p>
+        </p:txBody>
+      </p:sp>
+      <p:sp>
+        <p:nvSpPr>
+          <p:cNvPr id="9" name="Content Placeholder 2">
+            <a:extLst>
+              <a:ext uri="{FF2B5EF4-FFF2-40B4-BE49-F238E27FC236}">
+                <a16:creationId xmlns:a16="http://schemas.microsoft.com/office/drawing/2014/main" id="{13DCCFB0-FA2A-2118-2A9C-CEFDB29B0BA6}"/>
+              </a:ext>
+            </a:extLst>
+          </p:cNvPr>
+          <p:cNvSpPr>
+            <a:spLocks noGrp="1"/>
+          </p:cNvSpPr>
+          <p:nvPr>
+            <p:ph idx="1"/>
+          </p:nvPr>
+        </p:nvSpPr>
+        <p:spPr>
+          <a:xfrm>
+            <a:off x="1637414" y="1228682"/>
+            <a:ext cx="3017874" cy="1005858"/>
           </a:xfrm>
         </p:spPr>
         <p:txBody>
           <a:bodyPr>
-            <a:normAutofit/>
+            <a:normAutofit fontScale="92500" lnSpcReduction="20000"/>
           </a:bodyPr>
           <a:lstStyle/>
           <a:p>
@@ -4055,7 +4258,7 @@
                   <a:schemeClr val="bg1"/>
                 </a:solidFill>
               </a:rPr>
-              <a:t>Clicking here </a:t>
+              <a:t>Clicking here:</a:t>
             </a:r>
             <a:br>
               <a:rPr lang="en-US" dirty="0">
@@ -4071,62 +4274,57 @@
                 </a:solidFill>
               </a:rPr>
             </a:br>
-            <a:r>
-              <a:rPr lang="en-US" dirty="0">
-                <a:solidFill>
-                  <a:schemeClr val="bg1"/>
-                </a:solidFill>
-              </a:rPr>
-              <a:t>means you are </a:t>
-            </a:r>
-            <a:r>
-              <a:rPr lang="en-US" b="1" u="sng" dirty="0">
-                <a:solidFill>
-                  <a:schemeClr val="bg1"/>
-                </a:solidFill>
-              </a:rPr>
-              <a:t>confident</a:t>
-            </a:r>
-            <a:r>
-              <a:rPr lang="en-US" dirty="0">
-                <a:solidFill>
-                  <a:schemeClr val="bg1"/>
-                </a:solidFill>
-              </a:rPr>
-              <a:t> there were mode dots on the Left:</a:t>
-            </a:r>
-          </a:p>
-        </p:txBody>
-      </p:sp>
-      <p:pic>
-        <p:nvPicPr>
-          <p:cNvPr id="7" name="Picture 6" descr="A screenshot of a game&#10;&#10;AI-generated content may be incorrect.">
-            <a:extLst>
-              <a:ext uri="{FF2B5EF4-FFF2-40B4-BE49-F238E27FC236}">
-                <a16:creationId xmlns:a16="http://schemas.microsoft.com/office/drawing/2014/main" id="{B187D146-8DCC-F29D-FD1B-F7EAD58A2620}"/>
-              </a:ext>
-            </a:extLst>
-          </p:cNvPr>
-          <p:cNvPicPr>
-            <a:picLocks noChangeAspect="1"/>
-          </p:cNvPicPr>
+            <a:endParaRPr lang="en-US" dirty="0">
+              <a:solidFill>
+                <a:schemeClr val="bg1"/>
+              </a:solidFill>
+            </a:endParaRPr>
+          </a:p>
+        </p:txBody>
+      </p:sp>
+      <p:cxnSp>
+        <p:nvCxnSpPr>
+          <p:cNvPr id="10" name="Straight Arrow Connector 9">
+            <a:extLst>
+              <a:ext uri="{FF2B5EF4-FFF2-40B4-BE49-F238E27FC236}">
+                <a16:creationId xmlns:a16="http://schemas.microsoft.com/office/drawing/2014/main" id="{5FDE0782-4711-99FC-A872-62E655A50A92}"/>
+              </a:ext>
+            </a:extLst>
+          </p:cNvPr>
+          <p:cNvCxnSpPr/>
           <p:nvPr/>
-        </p:nvPicPr>
-        <p:blipFill>
-          <a:blip r:embed="rId2"/>
-          <a:srcRect b="27562"/>
-          <a:stretch/>
-        </p:blipFill>
+        </p:nvCxnSpPr>
         <p:spPr>
-          <a:xfrm>
-            <a:off x="2724150" y="3108925"/>
-            <a:ext cx="6743700" cy="2253907"/>
+          <a:xfrm flipV="1">
+            <a:off x="3005951" y="1815143"/>
+            <a:ext cx="0" cy="679269"/>
           </a:xfrm>
-          <a:prstGeom prst="rect">
+          <a:prstGeom prst="straightConnector1">
             <a:avLst/>
           </a:prstGeom>
+          <a:ln w="101600">
+            <a:solidFill>
+              <a:srgbClr val="FFFF00"/>
+            </a:solidFill>
+            <a:headEnd type="stealth"/>
+            <a:tailEnd type="none"/>
+          </a:ln>
         </p:spPr>
-      </p:pic>
+        <p:style>
+          <a:lnRef idx="1">
+            <a:schemeClr val="accent6"/>
+          </a:lnRef>
+          <a:fillRef idx="0">
+            <a:schemeClr val="accent6"/>
+          </a:fillRef>
+          <a:effectRef idx="0">
+            <a:schemeClr val="accent6"/>
+          </a:effectRef>
+          <a:fontRef idx="minor">
+            <a:schemeClr val="tx1"/>
+          </a:fontRef>
+        </p:style>
+      </p:cxnSp>
     </p:spTree>
     <p:extLst>
       <p:ext uri="{BB962C8B-B14F-4D97-AF65-F5344CB8AC3E}">
@@ -4146,7 +4344,7 @@
     <p:bg>
       <p:bgPr>
         <a:solidFill>
-          <a:srgbClr val="808080"/>
+          <a:srgbClr val="808070"/>
         </a:solidFill>
         <a:effectLst/>
       </p:bgPr>

--- a/instruction-images/pracInstructions.pptx
+++ b/instruction-images/pracInstructions.pptx
@@ -265,7 +265,7 @@
           <a:p>
             <a:fld id="{4B8E9ED7-1151-274C-BA24-50983D909DEF}" type="datetimeFigureOut">
               <a:rPr lang="en-US" smtClean="0"/>
-              <a:t>3/12/25</a:t>
+              <a:t>3/24/25</a:t>
             </a:fld>
             <a:endParaRPr lang="en-US"/>
           </a:p>
@@ -465,7 +465,7 @@
           <a:p>
             <a:fld id="{4B8E9ED7-1151-274C-BA24-50983D909DEF}" type="datetimeFigureOut">
               <a:rPr lang="en-US" smtClean="0"/>
-              <a:t>3/12/25</a:t>
+              <a:t>3/24/25</a:t>
             </a:fld>
             <a:endParaRPr lang="en-US"/>
           </a:p>
@@ -675,7 +675,7 @@
           <a:p>
             <a:fld id="{4B8E9ED7-1151-274C-BA24-50983D909DEF}" type="datetimeFigureOut">
               <a:rPr lang="en-US" smtClean="0"/>
-              <a:t>3/12/25</a:t>
+              <a:t>3/24/25</a:t>
             </a:fld>
             <a:endParaRPr lang="en-US"/>
           </a:p>
@@ -875,7 +875,7 @@
           <a:p>
             <a:fld id="{4B8E9ED7-1151-274C-BA24-50983D909DEF}" type="datetimeFigureOut">
               <a:rPr lang="en-US" smtClean="0"/>
-              <a:t>3/12/25</a:t>
+              <a:t>3/24/25</a:t>
             </a:fld>
             <a:endParaRPr lang="en-US"/>
           </a:p>
@@ -1151,7 +1151,7 @@
           <a:p>
             <a:fld id="{4B8E9ED7-1151-274C-BA24-50983D909DEF}" type="datetimeFigureOut">
               <a:rPr lang="en-US" smtClean="0"/>
-              <a:t>3/12/25</a:t>
+              <a:t>3/24/25</a:t>
             </a:fld>
             <a:endParaRPr lang="en-US"/>
           </a:p>
@@ -1419,7 +1419,7 @@
           <a:p>
             <a:fld id="{4B8E9ED7-1151-274C-BA24-50983D909DEF}" type="datetimeFigureOut">
               <a:rPr lang="en-US" smtClean="0"/>
-              <a:t>3/12/25</a:t>
+              <a:t>3/24/25</a:t>
             </a:fld>
             <a:endParaRPr lang="en-US"/>
           </a:p>
@@ -1834,7 +1834,7 @@
           <a:p>
             <a:fld id="{4B8E9ED7-1151-274C-BA24-50983D909DEF}" type="datetimeFigureOut">
               <a:rPr lang="en-US" smtClean="0"/>
-              <a:t>3/12/25</a:t>
+              <a:t>3/24/25</a:t>
             </a:fld>
             <a:endParaRPr lang="en-US"/>
           </a:p>
@@ -1976,7 +1976,7 @@
           <a:p>
             <a:fld id="{4B8E9ED7-1151-274C-BA24-50983D909DEF}" type="datetimeFigureOut">
               <a:rPr lang="en-US" smtClean="0"/>
-              <a:t>3/12/25</a:t>
+              <a:t>3/24/25</a:t>
             </a:fld>
             <a:endParaRPr lang="en-US"/>
           </a:p>
@@ -2089,7 +2089,7 @@
           <a:p>
             <a:fld id="{4B8E9ED7-1151-274C-BA24-50983D909DEF}" type="datetimeFigureOut">
               <a:rPr lang="en-US" smtClean="0"/>
-              <a:t>3/12/25</a:t>
+              <a:t>3/24/25</a:t>
             </a:fld>
             <a:endParaRPr lang="en-US"/>
           </a:p>
@@ -2402,7 +2402,7 @@
           <a:p>
             <a:fld id="{4B8E9ED7-1151-274C-BA24-50983D909DEF}" type="datetimeFigureOut">
               <a:rPr lang="en-US" smtClean="0"/>
-              <a:t>3/12/25</a:t>
+              <a:t>3/24/25</a:t>
             </a:fld>
             <a:endParaRPr lang="en-US"/>
           </a:p>
@@ -2691,7 +2691,7 @@
           <a:p>
             <a:fld id="{4B8E9ED7-1151-274C-BA24-50983D909DEF}" type="datetimeFigureOut">
               <a:rPr lang="en-US" smtClean="0"/>
-              <a:t>3/12/25</a:t>
+              <a:t>3/24/25</a:t>
             </a:fld>
             <a:endParaRPr lang="en-US"/>
           </a:p>
@@ -2934,7 +2934,7 @@
           <a:p>
             <a:fld id="{4B8E9ED7-1151-274C-BA24-50983D909DEF}" type="datetimeFigureOut">
               <a:rPr lang="en-US" smtClean="0"/>
-              <a:t>3/12/25</a:t>
+              <a:t>3/24/25</a:t>
             </a:fld>
             <a:endParaRPr lang="en-US"/>
           </a:p>

--- a/instruction-images/pracInstructions.pptx
+++ b/instruction-images/pracInstructions.pptx
@@ -7,9 +7,11 @@
   <p:sldIdLst>
     <p:sldId id="257" r:id="rId2"/>
     <p:sldId id="259" r:id="rId3"/>
-    <p:sldId id="262" r:id="rId4"/>
-    <p:sldId id="261" r:id="rId5"/>
-    <p:sldId id="263" r:id="rId6"/>
+    <p:sldId id="261" r:id="rId4"/>
+    <p:sldId id="264" r:id="rId5"/>
+    <p:sldId id="265" r:id="rId6"/>
+    <p:sldId id="266" r:id="rId7"/>
+    <p:sldId id="263" r:id="rId8"/>
   </p:sldIdLst>
   <p:sldSz cx="12192000" cy="6858000"/>
   <p:notesSz cx="6858000" cy="9144000"/>
@@ -265,7 +267,7 @@
           <a:p>
             <a:fld id="{4B8E9ED7-1151-274C-BA24-50983D909DEF}" type="datetimeFigureOut">
               <a:rPr lang="en-US" smtClean="0"/>
-              <a:t>3/24/25</a:t>
+              <a:t>4/2/25</a:t>
             </a:fld>
             <a:endParaRPr lang="en-US"/>
           </a:p>
@@ -465,7 +467,7 @@
           <a:p>
             <a:fld id="{4B8E9ED7-1151-274C-BA24-50983D909DEF}" type="datetimeFigureOut">
               <a:rPr lang="en-US" smtClean="0"/>
-              <a:t>3/24/25</a:t>
+              <a:t>4/2/25</a:t>
             </a:fld>
             <a:endParaRPr lang="en-US"/>
           </a:p>
@@ -675,7 +677,7 @@
           <a:p>
             <a:fld id="{4B8E9ED7-1151-274C-BA24-50983D909DEF}" type="datetimeFigureOut">
               <a:rPr lang="en-US" smtClean="0"/>
-              <a:t>3/24/25</a:t>
+              <a:t>4/2/25</a:t>
             </a:fld>
             <a:endParaRPr lang="en-US"/>
           </a:p>
@@ -875,7 +877,7 @@
           <a:p>
             <a:fld id="{4B8E9ED7-1151-274C-BA24-50983D909DEF}" type="datetimeFigureOut">
               <a:rPr lang="en-US" smtClean="0"/>
-              <a:t>3/24/25</a:t>
+              <a:t>4/2/25</a:t>
             </a:fld>
             <a:endParaRPr lang="en-US"/>
           </a:p>
@@ -1151,7 +1153,7 @@
           <a:p>
             <a:fld id="{4B8E9ED7-1151-274C-BA24-50983D909DEF}" type="datetimeFigureOut">
               <a:rPr lang="en-US" smtClean="0"/>
-              <a:t>3/24/25</a:t>
+              <a:t>4/2/25</a:t>
             </a:fld>
             <a:endParaRPr lang="en-US"/>
           </a:p>
@@ -1419,7 +1421,7 @@
           <a:p>
             <a:fld id="{4B8E9ED7-1151-274C-BA24-50983D909DEF}" type="datetimeFigureOut">
               <a:rPr lang="en-US" smtClean="0"/>
-              <a:t>3/24/25</a:t>
+              <a:t>4/2/25</a:t>
             </a:fld>
             <a:endParaRPr lang="en-US"/>
           </a:p>
@@ -1834,7 +1836,7 @@
           <a:p>
             <a:fld id="{4B8E9ED7-1151-274C-BA24-50983D909DEF}" type="datetimeFigureOut">
               <a:rPr lang="en-US" smtClean="0"/>
-              <a:t>3/24/25</a:t>
+              <a:t>4/2/25</a:t>
             </a:fld>
             <a:endParaRPr lang="en-US"/>
           </a:p>
@@ -1976,7 +1978,7 @@
           <a:p>
             <a:fld id="{4B8E9ED7-1151-274C-BA24-50983D909DEF}" type="datetimeFigureOut">
               <a:rPr lang="en-US" smtClean="0"/>
-              <a:t>3/24/25</a:t>
+              <a:t>4/2/25</a:t>
             </a:fld>
             <a:endParaRPr lang="en-US"/>
           </a:p>
@@ -2089,7 +2091,7 @@
           <a:p>
             <a:fld id="{4B8E9ED7-1151-274C-BA24-50983D909DEF}" type="datetimeFigureOut">
               <a:rPr lang="en-US" smtClean="0"/>
-              <a:t>3/24/25</a:t>
+              <a:t>4/2/25</a:t>
             </a:fld>
             <a:endParaRPr lang="en-US"/>
           </a:p>
@@ -2402,7 +2404,7 @@
           <a:p>
             <a:fld id="{4B8E9ED7-1151-274C-BA24-50983D909DEF}" type="datetimeFigureOut">
               <a:rPr lang="en-US" smtClean="0"/>
-              <a:t>3/24/25</a:t>
+              <a:t>4/2/25</a:t>
             </a:fld>
             <a:endParaRPr lang="en-US"/>
           </a:p>
@@ -2691,7 +2693,7 @@
           <a:p>
             <a:fld id="{4B8E9ED7-1151-274C-BA24-50983D909DEF}" type="datetimeFigureOut">
               <a:rPr lang="en-US" smtClean="0"/>
-              <a:t>3/24/25</a:t>
+              <a:t>4/2/25</a:t>
             </a:fld>
             <a:endParaRPr lang="en-US"/>
           </a:p>
@@ -2934,7 +2936,7 @@
           <a:p>
             <a:fld id="{4B8E9ED7-1151-274C-BA24-50983D909DEF}" type="datetimeFigureOut">
               <a:rPr lang="en-US" smtClean="0"/>
-              <a:t>3/24/25</a:t>
+              <a:t>4/2/25</a:t>
             </a:fld>
             <a:endParaRPr lang="en-US"/>
           </a:p>
@@ -3747,18 +3749,21 @@
                   <a:schemeClr val="bg1"/>
                 </a:solidFill>
               </a:rPr>
-              <a:t>The dots will only be shown very briefly on screen. </a:t>
+              <a:t>After they are shown you will click on a slider like </a:t>
             </a:r>
           </a:p>
           <a:p>
             <a:pPr marL="0" indent="0" algn="ctr">
               <a:buNone/>
             </a:pPr>
-            <a:endParaRPr lang="en-US" dirty="0">
-              <a:solidFill>
-                <a:schemeClr val="bg1"/>
-              </a:solidFill>
-            </a:endParaRPr>
+            <a:r>
+              <a:rPr lang="en-US" dirty="0">
+                <a:solidFill>
+                  <a:schemeClr val="bg1"/>
+                </a:solidFill>
+              </a:rPr>
+              <a:t>the ones below to rate how confident you are in your decision.</a:t>
+            </a:r>
           </a:p>
           <a:p>
             <a:pPr marL="0" indent="0" algn="ctr">
@@ -3770,39 +3775,17 @@
                   <a:schemeClr val="bg1"/>
                 </a:solidFill>
               </a:rPr>
-              <a:t>After they are shown, to submit your response, </a:t>
-            </a:r>
-            <a:br>
-              <a:rPr lang="en-US" dirty="0">
-                <a:solidFill>
-                  <a:schemeClr val="bg1"/>
-                </a:solidFill>
-              </a:rPr>
-            </a:br>
-            <a:br>
-              <a:rPr lang="en-US" dirty="0">
-                <a:solidFill>
-                  <a:schemeClr val="bg1"/>
-                </a:solidFill>
-              </a:rPr>
-            </a:br>
-            <a:r>
-              <a:rPr lang="en-US" dirty="0">
-                <a:solidFill>
-                  <a:schemeClr val="bg1"/>
-                </a:solidFill>
-              </a:rPr>
-              <a:t>you will click on a slider like the one below:</a:t>
+              <a:t>The scale ranges from “Sure” to “Guess”: </a:t>
             </a:r>
           </a:p>
         </p:txBody>
       </p:sp>
       <p:pic>
         <p:nvPicPr>
-          <p:cNvPr id="6" name="Picture 5" descr="A screenshot of a video game&#10;&#10;AI-generated content may be incorrect.">
-            <a:extLst>
-              <a:ext uri="{FF2B5EF4-FFF2-40B4-BE49-F238E27FC236}">
-                <a16:creationId xmlns:a16="http://schemas.microsoft.com/office/drawing/2014/main" id="{C30C8E65-ADE5-9712-B1DC-56F5D9483CDC}"/>
+          <p:cNvPr id="4" name="Picture 3" descr="A grey rectangular sign with white text&#10;&#10;AI-generated content may be incorrect.">
+            <a:extLst>
+              <a:ext uri="{FF2B5EF4-FFF2-40B4-BE49-F238E27FC236}">
+                <a16:creationId xmlns:a16="http://schemas.microsoft.com/office/drawing/2014/main" id="{98520FE8-21CA-4088-F698-E493FAC73C3B}"/>
               </a:ext>
             </a:extLst>
           </p:cNvPr>
@@ -3813,17 +3796,23 @@
         </p:nvPicPr>
         <p:blipFill>
           <a:blip r:embed="rId2"/>
-          <a:srcRect b="34288"/>
-          <a:stretch/>
+          <a:stretch>
+            <a:fillRect/>
+          </a:stretch>
         </p:blipFill>
         <p:spPr>
           <a:xfrm>
-            <a:off x="2698750" y="3765550"/>
-            <a:ext cx="6794500" cy="1961164"/>
+            <a:off x="2960914" y="3307077"/>
+            <a:ext cx="5983168" cy="2684463"/>
           </a:xfrm>
           <a:prstGeom prst="rect">
             <a:avLst/>
           </a:prstGeom>
+          <a:ln>
+            <a:solidFill>
+              <a:schemeClr val="bg1"/>
+            </a:solidFill>
+          </a:ln>
         </p:spPr>
       </p:pic>
     </p:spTree>
@@ -3840,241 +3829,6 @@
 </file>
 
 <file path=ppt/slides/slide3.xml><?xml version="1.0" encoding="utf-8"?>
-<p:sld xmlns:a="http://schemas.openxmlformats.org/drawingml/2006/main" xmlns:r="http://schemas.openxmlformats.org/officeDocument/2006/relationships" xmlns:p="http://schemas.openxmlformats.org/presentationml/2006/main">
-  <p:cSld>
-    <p:bg>
-      <p:bgPr>
-        <a:solidFill>
-          <a:srgbClr val="808070"/>
-        </a:solidFill>
-        <a:effectLst/>
-      </p:bgPr>
-    </p:bg>
-    <p:spTree>
-      <p:nvGrpSpPr>
-        <p:cNvPr id="1" name="">
-          <a:extLst>
-            <a:ext uri="{FF2B5EF4-FFF2-40B4-BE49-F238E27FC236}">
-              <a16:creationId xmlns:a16="http://schemas.microsoft.com/office/drawing/2014/main" id="{CB22E259-625C-A9A1-285E-09700F9AD131}"/>
-            </a:ext>
-          </a:extLst>
-        </p:cNvPr>
-        <p:cNvGrpSpPr/>
-        <p:nvPr/>
-      </p:nvGrpSpPr>
-      <p:grpSpPr>
-        <a:xfrm>
-          <a:off x="0" y="0"/>
-          <a:ext cx="0" cy="0"/>
-          <a:chOff x="0" y="0"/>
-          <a:chExt cx="0" cy="0"/>
-        </a:xfrm>
-      </p:grpSpPr>
-      <p:sp>
-        <p:nvSpPr>
-          <p:cNvPr id="3" name="Content Placeholder 2">
-            <a:extLst>
-              <a:ext uri="{FF2B5EF4-FFF2-40B4-BE49-F238E27FC236}">
-                <a16:creationId xmlns:a16="http://schemas.microsoft.com/office/drawing/2014/main" id="{8ECF20A2-7C38-84BB-2F68-148573972F8A}"/>
-              </a:ext>
-            </a:extLst>
-          </p:cNvPr>
-          <p:cNvSpPr>
-            <a:spLocks noGrp="1"/>
-          </p:cNvSpPr>
-          <p:nvPr>
-            <p:ph idx="1"/>
-          </p:nvPr>
-        </p:nvSpPr>
-        <p:spPr>
-          <a:xfrm>
-            <a:off x="189614" y="1195082"/>
-            <a:ext cx="10515600" cy="3193579"/>
-          </a:xfrm>
-        </p:spPr>
-        <p:txBody>
-          <a:bodyPr>
-            <a:normAutofit/>
-          </a:bodyPr>
-          <a:lstStyle/>
-          <a:p>
-            <a:pPr marL="0" indent="0" algn="ctr">
-              <a:buNone/>
-            </a:pPr>
-            <a:r>
-              <a:rPr lang="en-US" dirty="0">
-                <a:solidFill>
-                  <a:schemeClr val="bg1"/>
-                </a:solidFill>
-              </a:rPr>
-              <a:t>Clicking here:</a:t>
-            </a:r>
-            <a:br>
-              <a:rPr lang="en-US" dirty="0">
-                <a:solidFill>
-                  <a:schemeClr val="bg1"/>
-                </a:solidFill>
-              </a:rPr>
-            </a:br>
-            <a:br>
-              <a:rPr lang="en-US" dirty="0">
-                <a:solidFill>
-                  <a:schemeClr val="bg1"/>
-                </a:solidFill>
-              </a:rPr>
-            </a:br>
-            <a:endParaRPr lang="en-US" dirty="0">
-              <a:solidFill>
-                <a:schemeClr val="bg1"/>
-              </a:solidFill>
-            </a:endParaRPr>
-          </a:p>
-        </p:txBody>
-      </p:sp>
-      <p:pic>
-        <p:nvPicPr>
-          <p:cNvPr id="5" name="Picture 4" descr="A screenshot of a game&#10;&#10;AI-generated content may be incorrect.">
-            <a:extLst>
-              <a:ext uri="{FF2B5EF4-FFF2-40B4-BE49-F238E27FC236}">
-                <a16:creationId xmlns:a16="http://schemas.microsoft.com/office/drawing/2014/main" id="{7D436CEB-4322-7B00-189B-12E8CB8C8C36}"/>
-              </a:ext>
-            </a:extLst>
-          </p:cNvPr>
-          <p:cNvPicPr>
-            <a:picLocks noChangeAspect="1"/>
-          </p:cNvPicPr>
-          <p:nvPr/>
-        </p:nvPicPr>
-        <p:blipFill>
-          <a:blip r:embed="rId2"/>
-          <a:srcRect b="29679"/>
-          <a:stretch/>
-        </p:blipFill>
-        <p:spPr>
-          <a:xfrm>
-            <a:off x="2762250" y="1930053"/>
-            <a:ext cx="6667500" cy="2116608"/>
-          </a:xfrm>
-          <a:prstGeom prst="rect">
-            <a:avLst/>
-          </a:prstGeom>
-        </p:spPr>
-      </p:pic>
-      <p:sp>
-        <p:nvSpPr>
-          <p:cNvPr id="4" name="TextBox 3">
-            <a:extLst>
-              <a:ext uri="{FF2B5EF4-FFF2-40B4-BE49-F238E27FC236}">
-                <a16:creationId xmlns:a16="http://schemas.microsoft.com/office/drawing/2014/main" id="{EE666D56-CDB2-7507-3B08-B3B70285F5A1}"/>
-              </a:ext>
-            </a:extLst>
-          </p:cNvPr>
-          <p:cNvSpPr txBox="1"/>
-          <p:nvPr/>
-        </p:nvSpPr>
-        <p:spPr>
-          <a:xfrm>
-            <a:off x="2916283" y="4279301"/>
-            <a:ext cx="6093822" cy="954107"/>
-          </a:xfrm>
-          <a:prstGeom prst="rect">
-            <a:avLst/>
-          </a:prstGeom>
-          <a:noFill/>
-        </p:spPr>
-        <p:txBody>
-          <a:bodyPr wrap="square">
-            <a:spAutoFit/>
-          </a:bodyPr>
-          <a:lstStyle/>
-          <a:p>
-            <a:pPr marL="0" indent="0" algn="ctr">
-              <a:buNone/>
-            </a:pPr>
-            <a:r>
-              <a:rPr lang="en-US" sz="2800" dirty="0">
-                <a:solidFill>
-                  <a:schemeClr val="bg1"/>
-                </a:solidFill>
-              </a:rPr>
-              <a:t>means you are </a:t>
-            </a:r>
-            <a:r>
-              <a:rPr lang="en-US" sz="2800" u="sng" dirty="0">
-                <a:solidFill>
-                  <a:schemeClr val="bg1"/>
-                </a:solidFill>
-              </a:rPr>
-              <a:t>guessing</a:t>
-            </a:r>
-            <a:r>
-              <a:rPr lang="en-US" sz="2800" dirty="0">
-                <a:solidFill>
-                  <a:schemeClr val="bg1"/>
-                </a:solidFill>
-              </a:rPr>
-              <a:t> there were more dots on the Left.</a:t>
-            </a:r>
-          </a:p>
-        </p:txBody>
-      </p:sp>
-      <p:cxnSp>
-        <p:nvCxnSpPr>
-          <p:cNvPr id="7" name="Straight Arrow Connector 6">
-            <a:extLst>
-              <a:ext uri="{FF2B5EF4-FFF2-40B4-BE49-F238E27FC236}">
-                <a16:creationId xmlns:a16="http://schemas.microsoft.com/office/drawing/2014/main" id="{836365BF-F482-F761-B4CC-ED3D1ECD8D9B}"/>
-              </a:ext>
-            </a:extLst>
-          </p:cNvPr>
-          <p:cNvCxnSpPr/>
-          <p:nvPr/>
-        </p:nvCxnSpPr>
-        <p:spPr>
-          <a:xfrm flipV="1">
-            <a:off x="5336936" y="1839433"/>
-            <a:ext cx="0" cy="679269"/>
-          </a:xfrm>
-          <a:prstGeom prst="straightConnector1">
-            <a:avLst/>
-          </a:prstGeom>
-          <a:ln w="101600">
-            <a:solidFill>
-              <a:srgbClr val="FFFF00"/>
-            </a:solidFill>
-            <a:headEnd type="stealth"/>
-            <a:tailEnd type="none"/>
-          </a:ln>
-        </p:spPr>
-        <p:style>
-          <a:lnRef idx="1">
-            <a:schemeClr val="accent6"/>
-          </a:lnRef>
-          <a:fillRef idx="0">
-            <a:schemeClr val="accent6"/>
-          </a:fillRef>
-          <a:effectRef idx="0">
-            <a:schemeClr val="accent6"/>
-          </a:effectRef>
-          <a:fontRef idx="minor">
-            <a:schemeClr val="tx1"/>
-          </a:fontRef>
-        </p:style>
-      </p:cxnSp>
-    </p:spTree>
-    <p:extLst>
-      <p:ext uri="{BB962C8B-B14F-4D97-AF65-F5344CB8AC3E}">
-        <p14:creationId xmlns:p14="http://schemas.microsoft.com/office/powerpoint/2010/main" val="4121813782"/>
-      </p:ext>
-    </p:extLst>
-  </p:cSld>
-  <p:clrMapOvr>
-    <a:masterClrMapping/>
-  </p:clrMapOvr>
-</p:sld>
-</file>
-
-<file path=ppt/slides/slide4.xml><?xml version="1.0" encoding="utf-8"?>
 <p:sld xmlns:a="http://schemas.openxmlformats.org/drawingml/2006/main" xmlns:r="http://schemas.openxmlformats.org/officeDocument/2006/relationships" xmlns:p="http://schemas.openxmlformats.org/presentationml/2006/main">
   <p:cSld>
     <p:bg>
@@ -4107,10 +3861,10 @@
       </p:grpSpPr>
       <p:pic>
         <p:nvPicPr>
-          <p:cNvPr id="5" name="Picture 4" descr="A screenshot of a game&#10;&#10;AI-generated content may be incorrect.">
-            <a:extLst>
-              <a:ext uri="{FF2B5EF4-FFF2-40B4-BE49-F238E27FC236}">
-                <a16:creationId xmlns:a16="http://schemas.microsoft.com/office/drawing/2014/main" id="{9CA30E43-733E-C041-F86D-648E895EB7FB}"/>
+          <p:cNvPr id="3" name="Picture 2" descr="A grey rectangular sign with white text&#10;&#10;AI-generated content may be incorrect.">
+            <a:extLst>
+              <a:ext uri="{FF2B5EF4-FFF2-40B4-BE49-F238E27FC236}">
+                <a16:creationId xmlns:a16="http://schemas.microsoft.com/office/drawing/2014/main" id="{E9BC8DA0-240A-D11E-955B-56D4478228C2}"/>
               </a:ext>
             </a:extLst>
           </p:cNvPr>
@@ -4121,63 +3875,39 @@
         </p:nvPicPr>
         <p:blipFill>
           <a:blip r:embed="rId2"/>
-          <a:srcRect b="29679"/>
+          <a:srcRect t="25956"/>
           <a:stretch/>
         </p:blipFill>
         <p:spPr>
           <a:xfrm>
-            <a:off x="2762250" y="1930053"/>
-            <a:ext cx="6667500" cy="2116608"/>
+            <a:off x="3146351" y="2386149"/>
+            <a:ext cx="5647785" cy="1938716"/>
           </a:xfrm>
           <a:prstGeom prst="rect">
             <a:avLst/>
           </a:prstGeom>
+          <a:ln>
+            <a:solidFill>
+              <a:schemeClr val="bg1"/>
+            </a:solidFill>
+          </a:ln>
         </p:spPr>
       </p:pic>
-      <p:pic>
-        <p:nvPicPr>
-          <p:cNvPr id="7" name="Picture 6" descr="A screenshot of a game&#10;&#10;AI-generated content may be incorrect.">
-            <a:extLst>
-              <a:ext uri="{FF2B5EF4-FFF2-40B4-BE49-F238E27FC236}">
-                <a16:creationId xmlns:a16="http://schemas.microsoft.com/office/drawing/2014/main" id="{B187D146-8DCC-F29D-FD1B-F7EAD58A2620}"/>
-              </a:ext>
-            </a:extLst>
-          </p:cNvPr>
-          <p:cNvPicPr>
-            <a:picLocks noChangeAspect="1"/>
-          </p:cNvPicPr>
+      <p:sp>
+        <p:nvSpPr>
+          <p:cNvPr id="4" name="TextBox 3">
+            <a:extLst>
+              <a:ext uri="{FF2B5EF4-FFF2-40B4-BE49-F238E27FC236}">
+                <a16:creationId xmlns:a16="http://schemas.microsoft.com/office/drawing/2014/main" id="{9F567A4C-1320-7813-2D0E-15FB6D59B9AE}"/>
+              </a:ext>
+            </a:extLst>
+          </p:cNvPr>
+          <p:cNvSpPr txBox="1"/>
           <p:nvPr/>
-        </p:nvPicPr>
-        <p:blipFill>
-          <a:blip r:embed="rId3"/>
-          <a:srcRect b="27562"/>
-          <a:stretch/>
-        </p:blipFill>
+        </p:nvSpPr>
         <p:spPr>
           <a:xfrm>
-            <a:off x="2749187" y="1792754"/>
-            <a:ext cx="6743700" cy="2253907"/>
-          </a:xfrm>
-          <a:prstGeom prst="rect">
-            <a:avLst/>
-          </a:prstGeom>
-        </p:spPr>
-      </p:pic>
-      <p:sp>
-        <p:nvSpPr>
-          <p:cNvPr id="4" name="TextBox 3">
-            <a:extLst>
-              <a:ext uri="{FF2B5EF4-FFF2-40B4-BE49-F238E27FC236}">
-                <a16:creationId xmlns:a16="http://schemas.microsoft.com/office/drawing/2014/main" id="{9F567A4C-1320-7813-2D0E-15FB6D59B9AE}"/>
-              </a:ext>
-            </a:extLst>
-          </p:cNvPr>
-          <p:cNvSpPr txBox="1"/>
-          <p:nvPr/>
-        </p:nvSpPr>
-        <p:spPr>
-          <a:xfrm>
-            <a:off x="3049089" y="4324865"/>
+            <a:off x="3049089" y="4657903"/>
             <a:ext cx="6093822" cy="954107"/>
           </a:xfrm>
           <a:prstGeom prst="rect">
@@ -4200,12 +3930,20 @@
                   <a:schemeClr val="bg1"/>
                 </a:solidFill>
               </a:rPr>
-              <a:t>means you are </a:t>
+              <a:t>means </a:t>
+            </a:r>
+            <a:r>
+              <a:rPr lang="en-US" sz="2800" dirty="0">
+                <a:solidFill>
+                  <a:srgbClr val="FFFF00"/>
+                </a:solidFill>
+              </a:rPr>
+              <a:t>you are </a:t>
             </a:r>
             <a:r>
               <a:rPr lang="en-US" sz="2800" u="sng" dirty="0">
                 <a:solidFill>
-                  <a:schemeClr val="bg1"/>
+                  <a:srgbClr val="FFFF00"/>
                 </a:solidFill>
               </a:rPr>
               <a:t>confident</a:t>
@@ -4216,7 +3954,15 @@
                   <a:schemeClr val="bg1"/>
                 </a:solidFill>
               </a:rPr>
-              <a:t> there were more dots on the Left</a:t>
+              <a:t> there were more dots on the </a:t>
+            </a:r>
+            <a:r>
+              <a:rPr lang="en-US" sz="2800" dirty="0">
+                <a:solidFill>
+                  <a:srgbClr val="FFFF00"/>
+                </a:solidFill>
+              </a:rPr>
+              <a:t>Left</a:t>
             </a:r>
           </a:p>
         </p:txBody>
@@ -4239,13 +3985,21 @@
         </p:nvSpPr>
         <p:spPr>
           <a:xfrm>
-            <a:off x="1637414" y="1228682"/>
-            <a:ext cx="3017874" cy="1005858"/>
+            <a:off x="1810522" y="1101313"/>
+            <a:ext cx="3017874" cy="954107"/>
           </a:xfrm>
+          <a:solidFill>
+            <a:srgbClr val="808070"/>
+          </a:solidFill>
+          <a:ln w="38100">
+            <a:solidFill>
+              <a:srgbClr val="FFFF00"/>
+            </a:solidFill>
+          </a:ln>
         </p:spPr>
         <p:txBody>
-          <a:bodyPr>
-            <a:normAutofit fontScale="92500" lnSpcReduction="20000"/>
+          <a:bodyPr anchor="ctr">
+            <a:noAutofit/>
           </a:bodyPr>
           <a:lstStyle/>
           <a:p>
@@ -4253,32 +4007,13 @@
               <a:buNone/>
             </a:pPr>
             <a:r>
-              <a:rPr lang="en-US" dirty="0">
+              <a:rPr lang="en-US" sz="3600" dirty="0">
                 <a:solidFill>
                   <a:schemeClr val="bg1"/>
                 </a:solidFill>
               </a:rPr>
               <a:t>Clicking here:</a:t>
             </a:r>
-            <a:br>
-              <a:rPr lang="en-US" dirty="0">
-                <a:solidFill>
-                  <a:schemeClr val="bg1"/>
-                </a:solidFill>
-              </a:rPr>
-            </a:br>
-            <a:br>
-              <a:rPr lang="en-US" dirty="0">
-                <a:solidFill>
-                  <a:schemeClr val="bg1"/>
-                </a:solidFill>
-              </a:rPr>
-            </a:br>
-            <a:endParaRPr lang="en-US" dirty="0">
-              <a:solidFill>
-                <a:schemeClr val="bg1"/>
-              </a:solidFill>
-            </a:endParaRPr>
           </a:p>
         </p:txBody>
       </p:sp>
@@ -4291,13 +4026,15 @@
               </a:ext>
             </a:extLst>
           </p:cNvPr>
-          <p:cNvCxnSpPr/>
+          <p:cNvCxnSpPr>
+            <a:cxnSpLocks/>
+          </p:cNvCxnSpPr>
           <p:nvPr/>
         </p:nvCxnSpPr>
         <p:spPr>
           <a:xfrm flipV="1">
-            <a:off x="3005951" y="1815143"/>
-            <a:ext cx="0" cy="679269"/>
+            <a:off x="3319459" y="2055420"/>
+            <a:ext cx="0" cy="870660"/>
           </a:xfrm>
           <a:prstGeom prst="straightConnector1">
             <a:avLst/>
@@ -4338,7 +4075,738 @@
 </p:sld>
 </file>
 
+<file path=ppt/slides/slide4.xml><?xml version="1.0" encoding="utf-8"?>
+<p:sld xmlns:a="http://schemas.openxmlformats.org/drawingml/2006/main" xmlns:r="http://schemas.openxmlformats.org/officeDocument/2006/relationships" xmlns:p="http://schemas.openxmlformats.org/presentationml/2006/main">
+  <p:cSld>
+    <p:bg>
+      <p:bgPr>
+        <a:solidFill>
+          <a:srgbClr val="808070"/>
+        </a:solidFill>
+        <a:effectLst/>
+      </p:bgPr>
+    </p:bg>
+    <p:spTree>
+      <p:nvGrpSpPr>
+        <p:cNvPr id="1" name="">
+          <a:extLst>
+            <a:ext uri="{FF2B5EF4-FFF2-40B4-BE49-F238E27FC236}">
+              <a16:creationId xmlns:a16="http://schemas.microsoft.com/office/drawing/2014/main" id="{85901ED6-F990-56DF-5A3B-2C138D53D54C}"/>
+            </a:ext>
+          </a:extLst>
+        </p:cNvPr>
+        <p:cNvGrpSpPr/>
+        <p:nvPr/>
+      </p:nvGrpSpPr>
+      <p:grpSpPr>
+        <a:xfrm>
+          <a:off x="0" y="0"/>
+          <a:ext cx="0" cy="0"/>
+          <a:chOff x="0" y="0"/>
+          <a:chExt cx="0" cy="0"/>
+        </a:xfrm>
+      </p:grpSpPr>
+      <p:pic>
+        <p:nvPicPr>
+          <p:cNvPr id="5" name="Picture 4" descr="A screenshot of a quiz&#10;&#10;AI-generated content may be incorrect.">
+            <a:extLst>
+              <a:ext uri="{FF2B5EF4-FFF2-40B4-BE49-F238E27FC236}">
+                <a16:creationId xmlns:a16="http://schemas.microsoft.com/office/drawing/2014/main" id="{F4119977-D1BF-39ED-6C1D-C820241EBA7A}"/>
+              </a:ext>
+            </a:extLst>
+          </p:cNvPr>
+          <p:cNvPicPr>
+            <a:picLocks noChangeAspect="1"/>
+          </p:cNvPicPr>
+          <p:nvPr/>
+        </p:nvPicPr>
+        <p:blipFill>
+          <a:blip r:embed="rId2"/>
+          <a:srcRect t="27374"/>
+          <a:stretch/>
+        </p:blipFill>
+        <p:spPr>
+          <a:xfrm>
+            <a:off x="3111514" y="2423291"/>
+            <a:ext cx="5832690" cy="1901575"/>
+          </a:xfrm>
+          <a:prstGeom prst="rect">
+            <a:avLst/>
+          </a:prstGeom>
+          <a:ln>
+            <a:solidFill>
+              <a:schemeClr val="bg1"/>
+            </a:solidFill>
+          </a:ln>
+        </p:spPr>
+      </p:pic>
+      <p:sp>
+        <p:nvSpPr>
+          <p:cNvPr id="4" name="TextBox 3">
+            <a:extLst>
+              <a:ext uri="{FF2B5EF4-FFF2-40B4-BE49-F238E27FC236}">
+                <a16:creationId xmlns:a16="http://schemas.microsoft.com/office/drawing/2014/main" id="{6B7AC11A-0AB6-3544-25CD-CCE09D998BC2}"/>
+              </a:ext>
+            </a:extLst>
+          </p:cNvPr>
+          <p:cNvSpPr txBox="1"/>
+          <p:nvPr/>
+        </p:nvSpPr>
+        <p:spPr>
+          <a:xfrm>
+            <a:off x="3049089" y="4657903"/>
+            <a:ext cx="6093822" cy="954107"/>
+          </a:xfrm>
+          <a:prstGeom prst="rect">
+            <a:avLst/>
+          </a:prstGeom>
+          <a:noFill/>
+        </p:spPr>
+        <p:txBody>
+          <a:bodyPr wrap="square">
+            <a:spAutoFit/>
+          </a:bodyPr>
+          <a:lstStyle/>
+          <a:p>
+            <a:pPr marL="0" indent="0" algn="ctr">
+              <a:buNone/>
+            </a:pPr>
+            <a:r>
+              <a:rPr lang="en-US" sz="2800" dirty="0">
+                <a:solidFill>
+                  <a:schemeClr val="bg1"/>
+                </a:solidFill>
+              </a:rPr>
+              <a:t>means </a:t>
+            </a:r>
+            <a:r>
+              <a:rPr lang="en-US" sz="2800" dirty="0">
+                <a:solidFill>
+                  <a:srgbClr val="FFFF00"/>
+                </a:solidFill>
+              </a:rPr>
+              <a:t>you are </a:t>
+            </a:r>
+            <a:r>
+              <a:rPr lang="en-US" sz="2800" u="sng" dirty="0">
+                <a:solidFill>
+                  <a:srgbClr val="FFFF00"/>
+                </a:solidFill>
+              </a:rPr>
+              <a:t>guessing </a:t>
+            </a:r>
+            <a:r>
+              <a:rPr lang="en-US" sz="2800" dirty="0">
+                <a:solidFill>
+                  <a:schemeClr val="bg1"/>
+                </a:solidFill>
+              </a:rPr>
+              <a:t>there were more dots on the </a:t>
+            </a:r>
+            <a:r>
+              <a:rPr lang="en-US" sz="2800" dirty="0">
+                <a:solidFill>
+                  <a:srgbClr val="FFFF00"/>
+                </a:solidFill>
+              </a:rPr>
+              <a:t>Left</a:t>
+            </a:r>
+          </a:p>
+        </p:txBody>
+      </p:sp>
+      <p:sp>
+        <p:nvSpPr>
+          <p:cNvPr id="9" name="Content Placeholder 2">
+            <a:extLst>
+              <a:ext uri="{FF2B5EF4-FFF2-40B4-BE49-F238E27FC236}">
+                <a16:creationId xmlns:a16="http://schemas.microsoft.com/office/drawing/2014/main" id="{BAD487E7-67E6-9B2B-1655-9D9A4977F6CD}"/>
+              </a:ext>
+            </a:extLst>
+          </p:cNvPr>
+          <p:cNvSpPr>
+            <a:spLocks noGrp="1"/>
+          </p:cNvSpPr>
+          <p:nvPr>
+            <p:ph idx="1"/>
+          </p:nvPr>
+        </p:nvSpPr>
+        <p:spPr>
+          <a:xfrm>
+            <a:off x="3970248" y="1136147"/>
+            <a:ext cx="3017874" cy="954107"/>
+          </a:xfrm>
+          <a:solidFill>
+            <a:srgbClr val="808070"/>
+          </a:solidFill>
+          <a:ln w="38100">
+            <a:solidFill>
+              <a:srgbClr val="FFFF00"/>
+            </a:solidFill>
+          </a:ln>
+        </p:spPr>
+        <p:txBody>
+          <a:bodyPr anchor="ctr">
+            <a:noAutofit/>
+          </a:bodyPr>
+          <a:lstStyle/>
+          <a:p>
+            <a:pPr marL="0" indent="0" algn="ctr">
+              <a:buNone/>
+            </a:pPr>
+            <a:r>
+              <a:rPr lang="en-US" sz="3600" dirty="0">
+                <a:solidFill>
+                  <a:schemeClr val="bg1"/>
+                </a:solidFill>
+              </a:rPr>
+              <a:t>Clicking here:</a:t>
+            </a:r>
+          </a:p>
+        </p:txBody>
+      </p:sp>
+      <p:cxnSp>
+        <p:nvCxnSpPr>
+          <p:cNvPr id="10" name="Straight Arrow Connector 9">
+            <a:extLst>
+              <a:ext uri="{FF2B5EF4-FFF2-40B4-BE49-F238E27FC236}">
+                <a16:creationId xmlns:a16="http://schemas.microsoft.com/office/drawing/2014/main" id="{2BED8499-26C9-3F65-11C9-EE138471FCC3}"/>
+              </a:ext>
+            </a:extLst>
+          </p:cNvPr>
+          <p:cNvCxnSpPr>
+            <a:cxnSpLocks/>
+          </p:cNvCxnSpPr>
+          <p:nvPr/>
+        </p:nvCxnSpPr>
+        <p:spPr>
+          <a:xfrm flipV="1">
+            <a:off x="5479185" y="2090254"/>
+            <a:ext cx="0" cy="870660"/>
+          </a:xfrm>
+          <a:prstGeom prst="straightConnector1">
+            <a:avLst/>
+          </a:prstGeom>
+          <a:ln w="101600">
+            <a:solidFill>
+              <a:srgbClr val="FFFF00"/>
+            </a:solidFill>
+            <a:headEnd type="stealth"/>
+            <a:tailEnd type="none"/>
+          </a:ln>
+        </p:spPr>
+        <p:style>
+          <a:lnRef idx="1">
+            <a:schemeClr val="accent6"/>
+          </a:lnRef>
+          <a:fillRef idx="0">
+            <a:schemeClr val="accent6"/>
+          </a:fillRef>
+          <a:effectRef idx="0">
+            <a:schemeClr val="accent6"/>
+          </a:effectRef>
+          <a:fontRef idx="minor">
+            <a:schemeClr val="tx1"/>
+          </a:fontRef>
+        </p:style>
+      </p:cxnSp>
+    </p:spTree>
+    <p:extLst>
+      <p:ext uri="{BB962C8B-B14F-4D97-AF65-F5344CB8AC3E}">
+        <p14:creationId xmlns:p14="http://schemas.microsoft.com/office/powerpoint/2010/main" val="669309476"/>
+      </p:ext>
+    </p:extLst>
+  </p:cSld>
+  <p:clrMapOvr>
+    <a:masterClrMapping/>
+  </p:clrMapOvr>
+</p:sld>
+</file>
+
 <file path=ppt/slides/slide5.xml><?xml version="1.0" encoding="utf-8"?>
+<p:sld xmlns:a="http://schemas.openxmlformats.org/drawingml/2006/main" xmlns:r="http://schemas.openxmlformats.org/officeDocument/2006/relationships" xmlns:p="http://schemas.openxmlformats.org/presentationml/2006/main">
+  <p:cSld>
+    <p:bg>
+      <p:bgPr>
+        <a:solidFill>
+          <a:srgbClr val="808070"/>
+        </a:solidFill>
+        <a:effectLst/>
+      </p:bgPr>
+    </p:bg>
+    <p:spTree>
+      <p:nvGrpSpPr>
+        <p:cNvPr id="1" name="">
+          <a:extLst>
+            <a:ext uri="{FF2B5EF4-FFF2-40B4-BE49-F238E27FC236}">
+              <a16:creationId xmlns:a16="http://schemas.microsoft.com/office/drawing/2014/main" id="{2BA04AE5-0EFE-30AA-11D1-6ED021F32EF6}"/>
+            </a:ext>
+          </a:extLst>
+        </p:cNvPr>
+        <p:cNvGrpSpPr/>
+        <p:nvPr/>
+      </p:nvGrpSpPr>
+      <p:grpSpPr>
+        <a:xfrm>
+          <a:off x="0" y="0"/>
+          <a:ext cx="0" cy="0"/>
+          <a:chOff x="0" y="0"/>
+          <a:chExt cx="0" cy="0"/>
+        </a:xfrm>
+      </p:grpSpPr>
+      <p:sp>
+        <p:nvSpPr>
+          <p:cNvPr id="4" name="TextBox 3">
+            <a:extLst>
+              <a:ext uri="{FF2B5EF4-FFF2-40B4-BE49-F238E27FC236}">
+                <a16:creationId xmlns:a16="http://schemas.microsoft.com/office/drawing/2014/main" id="{43866B88-BC3F-F419-9D3F-56621677D625}"/>
+              </a:ext>
+            </a:extLst>
+          </p:cNvPr>
+          <p:cNvSpPr txBox="1"/>
+          <p:nvPr/>
+        </p:nvSpPr>
+        <p:spPr>
+          <a:xfrm>
+            <a:off x="3049089" y="4657903"/>
+            <a:ext cx="6093822" cy="954107"/>
+          </a:xfrm>
+          <a:prstGeom prst="rect">
+            <a:avLst/>
+          </a:prstGeom>
+          <a:noFill/>
+        </p:spPr>
+        <p:txBody>
+          <a:bodyPr wrap="square">
+            <a:spAutoFit/>
+          </a:bodyPr>
+          <a:lstStyle/>
+          <a:p>
+            <a:pPr marL="0" indent="0" algn="ctr">
+              <a:buNone/>
+            </a:pPr>
+            <a:r>
+              <a:rPr lang="en-US" sz="2800" dirty="0">
+                <a:solidFill>
+                  <a:schemeClr val="bg1"/>
+                </a:solidFill>
+              </a:rPr>
+              <a:t>means </a:t>
+            </a:r>
+            <a:r>
+              <a:rPr lang="en-US" sz="2800" dirty="0">
+                <a:solidFill>
+                  <a:srgbClr val="FFFF00"/>
+                </a:solidFill>
+              </a:rPr>
+              <a:t>you are </a:t>
+            </a:r>
+            <a:r>
+              <a:rPr lang="en-US" sz="2800" u="sng" dirty="0">
+                <a:solidFill>
+                  <a:srgbClr val="FFFF00"/>
+                </a:solidFill>
+              </a:rPr>
+              <a:t>confident </a:t>
+            </a:r>
+            <a:r>
+              <a:rPr lang="en-US" sz="2800" dirty="0">
+                <a:solidFill>
+                  <a:schemeClr val="bg1"/>
+                </a:solidFill>
+              </a:rPr>
+              <a:t>there were more dots on the </a:t>
+            </a:r>
+            <a:r>
+              <a:rPr lang="en-US" sz="2800" dirty="0">
+                <a:solidFill>
+                  <a:srgbClr val="FFFF00"/>
+                </a:solidFill>
+              </a:rPr>
+              <a:t>Right</a:t>
+            </a:r>
+          </a:p>
+        </p:txBody>
+      </p:sp>
+      <p:pic>
+        <p:nvPicPr>
+          <p:cNvPr id="3" name="Picture 2" descr="A grey rectangular object with white text&#10;&#10;AI-generated content may be incorrect.">
+            <a:extLst>
+              <a:ext uri="{FF2B5EF4-FFF2-40B4-BE49-F238E27FC236}">
+                <a16:creationId xmlns:a16="http://schemas.microsoft.com/office/drawing/2014/main" id="{0A698227-3E74-3D22-6522-E2A27FE7BE6A}"/>
+              </a:ext>
+            </a:extLst>
+          </p:cNvPr>
+          <p:cNvPicPr>
+            <a:picLocks noChangeAspect="1"/>
+          </p:cNvPicPr>
+          <p:nvPr/>
+        </p:nvPicPr>
+        <p:blipFill>
+          <a:blip r:embed="rId2"/>
+          <a:srcRect t="26397"/>
+          <a:stretch/>
+        </p:blipFill>
+        <p:spPr>
+          <a:xfrm>
+            <a:off x="3026811" y="2468631"/>
+            <a:ext cx="5889248" cy="1781152"/>
+          </a:xfrm>
+          <a:prstGeom prst="rect">
+            <a:avLst/>
+          </a:prstGeom>
+        </p:spPr>
+      </p:pic>
+      <p:sp>
+        <p:nvSpPr>
+          <p:cNvPr id="9" name="Content Placeholder 2">
+            <a:extLst>
+              <a:ext uri="{FF2B5EF4-FFF2-40B4-BE49-F238E27FC236}">
+                <a16:creationId xmlns:a16="http://schemas.microsoft.com/office/drawing/2014/main" id="{1DAF3D85-D37C-173B-3F8F-05C4FFC8805F}"/>
+              </a:ext>
+            </a:extLst>
+          </p:cNvPr>
+          <p:cNvSpPr>
+            <a:spLocks noGrp="1"/>
+          </p:cNvSpPr>
+          <p:nvPr>
+            <p:ph idx="1"/>
+          </p:nvPr>
+        </p:nvSpPr>
+        <p:spPr>
+          <a:xfrm>
+            <a:off x="7114042" y="1061064"/>
+            <a:ext cx="3017874" cy="954107"/>
+          </a:xfrm>
+          <a:solidFill>
+            <a:srgbClr val="808070"/>
+          </a:solidFill>
+          <a:ln w="38100">
+            <a:solidFill>
+              <a:srgbClr val="FFFF00"/>
+            </a:solidFill>
+          </a:ln>
+        </p:spPr>
+        <p:txBody>
+          <a:bodyPr anchor="ctr">
+            <a:noAutofit/>
+          </a:bodyPr>
+          <a:lstStyle/>
+          <a:p>
+            <a:pPr marL="0" indent="0" algn="ctr">
+              <a:buNone/>
+            </a:pPr>
+            <a:r>
+              <a:rPr lang="en-US" sz="3600" dirty="0">
+                <a:solidFill>
+                  <a:schemeClr val="bg1"/>
+                </a:solidFill>
+              </a:rPr>
+              <a:t>Clicking here:</a:t>
+            </a:r>
+          </a:p>
+        </p:txBody>
+      </p:sp>
+      <p:cxnSp>
+        <p:nvCxnSpPr>
+          <p:cNvPr id="10" name="Straight Arrow Connector 9">
+            <a:extLst>
+              <a:ext uri="{FF2B5EF4-FFF2-40B4-BE49-F238E27FC236}">
+                <a16:creationId xmlns:a16="http://schemas.microsoft.com/office/drawing/2014/main" id="{08F1F76C-0C0C-5D3C-A4F2-43683C90F0D8}"/>
+              </a:ext>
+            </a:extLst>
+          </p:cNvPr>
+          <p:cNvCxnSpPr>
+            <a:cxnSpLocks/>
+          </p:cNvCxnSpPr>
+          <p:nvPr/>
+        </p:nvCxnSpPr>
+        <p:spPr>
+          <a:xfrm flipV="1">
+            <a:off x="8622979" y="2015171"/>
+            <a:ext cx="0" cy="870660"/>
+          </a:xfrm>
+          <a:prstGeom prst="straightConnector1">
+            <a:avLst/>
+          </a:prstGeom>
+          <a:ln w="101600">
+            <a:solidFill>
+              <a:srgbClr val="FFFF00"/>
+            </a:solidFill>
+            <a:headEnd type="stealth"/>
+            <a:tailEnd type="none"/>
+          </a:ln>
+        </p:spPr>
+        <p:style>
+          <a:lnRef idx="1">
+            <a:schemeClr val="accent6"/>
+          </a:lnRef>
+          <a:fillRef idx="0">
+            <a:schemeClr val="accent6"/>
+          </a:fillRef>
+          <a:effectRef idx="0">
+            <a:schemeClr val="accent6"/>
+          </a:effectRef>
+          <a:fontRef idx="minor">
+            <a:schemeClr val="tx1"/>
+          </a:fontRef>
+        </p:style>
+      </p:cxnSp>
+    </p:spTree>
+    <p:extLst>
+      <p:ext uri="{BB962C8B-B14F-4D97-AF65-F5344CB8AC3E}">
+        <p14:creationId xmlns:p14="http://schemas.microsoft.com/office/powerpoint/2010/main" val="1818641267"/>
+      </p:ext>
+    </p:extLst>
+  </p:cSld>
+  <p:clrMapOvr>
+    <a:masterClrMapping/>
+  </p:clrMapOvr>
+</p:sld>
+</file>
+
+<file path=ppt/slides/slide6.xml><?xml version="1.0" encoding="utf-8"?>
+<p:sld xmlns:a="http://schemas.openxmlformats.org/drawingml/2006/main" xmlns:r="http://schemas.openxmlformats.org/officeDocument/2006/relationships" xmlns:p="http://schemas.openxmlformats.org/presentationml/2006/main">
+  <p:cSld>
+    <p:bg>
+      <p:bgPr>
+        <a:solidFill>
+          <a:srgbClr val="808070"/>
+        </a:solidFill>
+        <a:effectLst/>
+      </p:bgPr>
+    </p:bg>
+    <p:spTree>
+      <p:nvGrpSpPr>
+        <p:cNvPr id="1" name="">
+          <a:extLst>
+            <a:ext uri="{FF2B5EF4-FFF2-40B4-BE49-F238E27FC236}">
+              <a16:creationId xmlns:a16="http://schemas.microsoft.com/office/drawing/2014/main" id="{A01C596F-4F9A-9322-7563-7127164C57C2}"/>
+            </a:ext>
+          </a:extLst>
+        </p:cNvPr>
+        <p:cNvGrpSpPr/>
+        <p:nvPr/>
+      </p:nvGrpSpPr>
+      <p:grpSpPr>
+        <a:xfrm>
+          <a:off x="0" y="0"/>
+          <a:ext cx="0" cy="0"/>
+          <a:chOff x="0" y="0"/>
+          <a:chExt cx="0" cy="0"/>
+        </a:xfrm>
+      </p:grpSpPr>
+      <p:sp>
+        <p:nvSpPr>
+          <p:cNvPr id="4" name="TextBox 3">
+            <a:extLst>
+              <a:ext uri="{FF2B5EF4-FFF2-40B4-BE49-F238E27FC236}">
+                <a16:creationId xmlns:a16="http://schemas.microsoft.com/office/drawing/2014/main" id="{EBDFE0A2-0B87-DB14-895B-DFC3C3259F6C}"/>
+              </a:ext>
+            </a:extLst>
+          </p:cNvPr>
+          <p:cNvSpPr txBox="1"/>
+          <p:nvPr/>
+        </p:nvSpPr>
+        <p:spPr>
+          <a:xfrm>
+            <a:off x="3049089" y="4657903"/>
+            <a:ext cx="6093822" cy="954107"/>
+          </a:xfrm>
+          <a:prstGeom prst="rect">
+            <a:avLst/>
+          </a:prstGeom>
+          <a:noFill/>
+        </p:spPr>
+        <p:txBody>
+          <a:bodyPr wrap="square">
+            <a:spAutoFit/>
+          </a:bodyPr>
+          <a:lstStyle/>
+          <a:p>
+            <a:pPr marL="0" indent="0" algn="ctr">
+              <a:buNone/>
+            </a:pPr>
+            <a:r>
+              <a:rPr lang="en-US" sz="2800" dirty="0">
+                <a:solidFill>
+                  <a:schemeClr val="bg1"/>
+                </a:solidFill>
+              </a:rPr>
+              <a:t>means </a:t>
+            </a:r>
+            <a:r>
+              <a:rPr lang="en-US" sz="2800" dirty="0">
+                <a:solidFill>
+                  <a:srgbClr val="FFFF00"/>
+                </a:solidFill>
+              </a:rPr>
+              <a:t>you are </a:t>
+            </a:r>
+            <a:r>
+              <a:rPr lang="en-US" sz="2800" u="sng" dirty="0">
+                <a:solidFill>
+                  <a:srgbClr val="FFFF00"/>
+                </a:solidFill>
+              </a:rPr>
+              <a:t>guessing </a:t>
+            </a:r>
+            <a:r>
+              <a:rPr lang="en-US" sz="2800" dirty="0">
+                <a:solidFill>
+                  <a:schemeClr val="bg1"/>
+                </a:solidFill>
+              </a:rPr>
+              <a:t>there were more dots on the </a:t>
+            </a:r>
+            <a:r>
+              <a:rPr lang="en-US" sz="2800" dirty="0">
+                <a:solidFill>
+                  <a:srgbClr val="FFFF00"/>
+                </a:solidFill>
+              </a:rPr>
+              <a:t>Right</a:t>
+            </a:r>
+          </a:p>
+        </p:txBody>
+      </p:sp>
+      <p:pic>
+        <p:nvPicPr>
+          <p:cNvPr id="5" name="Picture 4" descr="A screenshot of a game&#10;&#10;AI-generated content may be incorrect.">
+            <a:extLst>
+              <a:ext uri="{FF2B5EF4-FFF2-40B4-BE49-F238E27FC236}">
+                <a16:creationId xmlns:a16="http://schemas.microsoft.com/office/drawing/2014/main" id="{E6EAEE9B-2182-22B8-5645-40C111D8EEB7}"/>
+              </a:ext>
+            </a:extLst>
+          </p:cNvPr>
+          <p:cNvPicPr>
+            <a:picLocks noChangeAspect="1"/>
+          </p:cNvPicPr>
+          <p:nvPr/>
+        </p:nvPicPr>
+        <p:blipFill>
+          <a:blip r:embed="rId2"/>
+          <a:srcRect t="22672"/>
+          <a:stretch/>
+        </p:blipFill>
+        <p:spPr>
+          <a:xfrm>
+            <a:off x="3152141" y="2441420"/>
+            <a:ext cx="5638588" cy="1663338"/>
+          </a:xfrm>
+          <a:prstGeom prst="rect">
+            <a:avLst/>
+          </a:prstGeom>
+        </p:spPr>
+      </p:pic>
+      <p:sp>
+        <p:nvSpPr>
+          <p:cNvPr id="9" name="Content Placeholder 2">
+            <a:extLst>
+              <a:ext uri="{FF2B5EF4-FFF2-40B4-BE49-F238E27FC236}">
+                <a16:creationId xmlns:a16="http://schemas.microsoft.com/office/drawing/2014/main" id="{528C7BAA-030C-4631-C3B2-D0D121F32DFF}"/>
+              </a:ext>
+            </a:extLst>
+          </p:cNvPr>
+          <p:cNvSpPr>
+            <a:spLocks noGrp="1"/>
+          </p:cNvSpPr>
+          <p:nvPr>
+            <p:ph idx="1"/>
+          </p:nvPr>
+        </p:nvSpPr>
+        <p:spPr>
+          <a:xfrm>
+            <a:off x="4971730" y="1061776"/>
+            <a:ext cx="3017874" cy="954107"/>
+          </a:xfrm>
+          <a:solidFill>
+            <a:srgbClr val="808070"/>
+          </a:solidFill>
+          <a:ln w="38100">
+            <a:solidFill>
+              <a:srgbClr val="FFFF00"/>
+            </a:solidFill>
+          </a:ln>
+        </p:spPr>
+        <p:txBody>
+          <a:bodyPr anchor="ctr">
+            <a:noAutofit/>
+          </a:bodyPr>
+          <a:lstStyle/>
+          <a:p>
+            <a:pPr marL="0" indent="0" algn="ctr">
+              <a:buNone/>
+            </a:pPr>
+            <a:r>
+              <a:rPr lang="en-US" sz="3600" dirty="0">
+                <a:solidFill>
+                  <a:schemeClr val="bg1"/>
+                </a:solidFill>
+              </a:rPr>
+              <a:t>Clicking here:</a:t>
+            </a:r>
+          </a:p>
+        </p:txBody>
+      </p:sp>
+      <p:cxnSp>
+        <p:nvCxnSpPr>
+          <p:cNvPr id="10" name="Straight Arrow Connector 9">
+            <a:extLst>
+              <a:ext uri="{FF2B5EF4-FFF2-40B4-BE49-F238E27FC236}">
+                <a16:creationId xmlns:a16="http://schemas.microsoft.com/office/drawing/2014/main" id="{5E1C4C6E-F41E-29CC-B25D-8A76FE96E198}"/>
+              </a:ext>
+            </a:extLst>
+          </p:cNvPr>
+          <p:cNvCxnSpPr>
+            <a:cxnSpLocks/>
+          </p:cNvCxnSpPr>
+          <p:nvPr/>
+        </p:nvCxnSpPr>
+        <p:spPr>
+          <a:xfrm flipV="1">
+            <a:off x="6480667" y="2015883"/>
+            <a:ext cx="0" cy="870660"/>
+          </a:xfrm>
+          <a:prstGeom prst="straightConnector1">
+            <a:avLst/>
+          </a:prstGeom>
+          <a:ln w="101600">
+            <a:solidFill>
+              <a:srgbClr val="FFFF00"/>
+            </a:solidFill>
+            <a:headEnd type="stealth"/>
+            <a:tailEnd type="none"/>
+          </a:ln>
+        </p:spPr>
+        <p:style>
+          <a:lnRef idx="1">
+            <a:schemeClr val="accent6"/>
+          </a:lnRef>
+          <a:fillRef idx="0">
+            <a:schemeClr val="accent6"/>
+          </a:fillRef>
+          <a:effectRef idx="0">
+            <a:schemeClr val="accent6"/>
+          </a:effectRef>
+          <a:fontRef idx="minor">
+            <a:schemeClr val="tx1"/>
+          </a:fontRef>
+        </p:style>
+      </p:cxnSp>
+    </p:spTree>
+    <p:extLst>
+      <p:ext uri="{BB962C8B-B14F-4D97-AF65-F5344CB8AC3E}">
+        <p14:creationId xmlns:p14="http://schemas.microsoft.com/office/powerpoint/2010/main" val="1078747595"/>
+      </p:ext>
+    </p:extLst>
+  </p:cSld>
+  <p:clrMapOvr>
+    <a:masterClrMapping/>
+  </p:clrMapOvr>
+</p:sld>
+</file>
+
+<file path=ppt/slides/slide7.xml><?xml version="1.0" encoding="utf-8"?>
 <p:sld xmlns:a="http://schemas.openxmlformats.org/drawingml/2006/main" xmlns:r="http://schemas.openxmlformats.org/officeDocument/2006/relationships" xmlns:p="http://schemas.openxmlformats.org/presentationml/2006/main">
   <p:cSld>
     <p:bg>
